--- a/doc/illustrations.pptx
+++ b/doc/illustrations.pptx
@@ -3758,6 +3758,141 @@
           </a:p>
         </p:txBody>
       </p:sp>
+      <p:sp>
+        <p:nvSpPr>
+          <p:cNvPr id="31" name="Textfeld 30"/>
+          <p:cNvSpPr txBox="1"/>
+          <p:nvPr/>
+        </p:nvSpPr>
+        <p:spPr>
+          <a:xfrm>
+            <a:off x="3278007" y="1750272"/>
+            <a:ext cx="490840" cy="369332"/>
+          </a:xfrm>
+          <a:prstGeom prst="rect">
+            <a:avLst/>
+          </a:prstGeom>
+          <a:noFill/>
+        </p:spPr>
+        <p:txBody>
+          <a:bodyPr wrap="none" rtlCol="0">
+            <a:spAutoFit/>
+          </a:bodyPr>
+          <a:lstStyle/>
+          <a:p>
+            <a:r>
+              <a:rPr lang="de-DE"/>
+              <a:t>①</a:t>
+            </a:r>
+            <a:endParaRPr lang="en-US" dirty="0"/>
+          </a:p>
+        </p:txBody>
+      </p:sp>
+      <p:sp>
+        <p:nvSpPr>
+          <p:cNvPr id="32" name="Rechteck 31"/>
+          <p:cNvSpPr/>
+          <p:nvPr/>
+        </p:nvSpPr>
+        <p:spPr>
+          <a:xfrm>
+            <a:off x="5088787" y="2265381"/>
+            <a:ext cx="490840" cy="369332"/>
+          </a:xfrm>
+          <a:prstGeom prst="rect">
+            <a:avLst/>
+          </a:prstGeom>
+        </p:spPr>
+        <p:txBody>
+          <a:bodyPr wrap="none">
+            <a:spAutoFit/>
+          </a:bodyPr>
+          <a:lstStyle/>
+          <a:p>
+            <a:r>
+              <a:rPr lang="de-DE" b="0" i="0" smtClean="0">
+                <a:solidFill>
+                  <a:srgbClr val="000000"/>
+                </a:solidFill>
+                <a:effectLst/>
+                <a:latin typeface="Times" charset="0"/>
+              </a:rPr>
+              <a:t>②</a:t>
+            </a:r>
+            <a:endParaRPr lang="en-US" dirty="0"/>
+          </a:p>
+        </p:txBody>
+      </p:sp>
+      <p:sp>
+        <p:nvSpPr>
+          <p:cNvPr id="33" name="Rechteck 32"/>
+          <p:cNvSpPr/>
+          <p:nvPr/>
+        </p:nvSpPr>
+        <p:spPr>
+          <a:xfrm>
+            <a:off x="6505819" y="2634713"/>
+            <a:ext cx="490840" cy="369332"/>
+          </a:xfrm>
+          <a:prstGeom prst="rect">
+            <a:avLst/>
+          </a:prstGeom>
+        </p:spPr>
+        <p:txBody>
+          <a:bodyPr wrap="none">
+            <a:spAutoFit/>
+          </a:bodyPr>
+          <a:lstStyle/>
+          <a:p>
+            <a:r>
+              <a:rPr lang="de-DE" b="0" i="0" smtClean="0">
+                <a:solidFill>
+                  <a:srgbClr val="000000"/>
+                </a:solidFill>
+                <a:effectLst/>
+                <a:latin typeface="Times" charset="0"/>
+              </a:rPr>
+              <a:t>③</a:t>
+            </a:r>
+            <a:endParaRPr lang="en-US" dirty="0"/>
+          </a:p>
+        </p:txBody>
+      </p:sp>
+      <p:sp>
+        <p:nvSpPr>
+          <p:cNvPr id="34" name="Rechteck 33"/>
+          <p:cNvSpPr/>
+          <p:nvPr/>
+        </p:nvSpPr>
+        <p:spPr>
+          <a:xfrm>
+            <a:off x="8310217" y="2602887"/>
+            <a:ext cx="490840" cy="369332"/>
+          </a:xfrm>
+          <a:prstGeom prst="rect">
+            <a:avLst/>
+          </a:prstGeom>
+        </p:spPr>
+        <p:txBody>
+          <a:bodyPr wrap="none">
+            <a:spAutoFit/>
+          </a:bodyPr>
+          <a:lstStyle/>
+          <a:p>
+            <a:r>
+              <a:rPr lang="de-DE" b="0" i="0" smtClean="0">
+                <a:solidFill>
+                  <a:srgbClr val="000000"/>
+                </a:solidFill>
+                <a:effectLst/>
+                <a:latin typeface="Times" charset="0"/>
+              </a:rPr>
+              <a:t>③</a:t>
+            </a:r>
+            <a:endParaRPr lang="en-US" dirty="0"/>
+          </a:p>
+        </p:txBody>
+      </p:sp>
     </p:spTree>
     <p:extLst>
       <p:ext uri="{BB962C8B-B14F-4D97-AF65-F5344CB8AC3E}">
